--- a/2 semestre/Digital Experience Ultimate/Digital Experience Ultimate.pptx
+++ b/2 semestre/Digital Experience Ultimate/Digital Experience Ultimate.pptx
@@ -7,10 +7,11 @@
   <p:sldIdLst>
     <p:sldId id="256" r:id="rId2"/>
     <p:sldId id="257" r:id="rId3"/>
-    <p:sldId id="259" r:id="rId4"/>
-    <p:sldId id="258" r:id="rId5"/>
-    <p:sldId id="260" r:id="rId6"/>
-    <p:sldId id="261" r:id="rId7"/>
+    <p:sldId id="262" r:id="rId4"/>
+    <p:sldId id="259" r:id="rId5"/>
+    <p:sldId id="258" r:id="rId6"/>
+    <p:sldId id="260" r:id="rId7"/>
+    <p:sldId id="261" r:id="rId8"/>
   </p:sldIdLst>
   <p:sldSz cx="12192000" cy="6858000"/>
   <p:notesSz cx="6858000" cy="9144000"/>
@@ -109,6 +110,11 @@
       </a:defRPr>
     </a:lvl9pPr>
   </p:defaultTextStyle>
+  <p:extLst>
+    <p:ext uri="{EFAFB233-063F-42B5-8137-9DF3F51BA10A}">
+      <p15:sldGuideLst xmlns:p15="http://schemas.microsoft.com/office/powerpoint/2012/main"/>
+    </p:ext>
+  </p:extLst>
 </p:presentation>
 </file>
 
@@ -6054,7 +6060,7 @@
           <p:cNvPr id="2" name="Título 1">
             <a:extLst>
               <a:ext uri="{FF2B5EF4-FFF2-40B4-BE49-F238E27FC236}">
-                <a16:creationId xmlns:a16="http://schemas.microsoft.com/office/drawing/2014/main" id="{A44CDCC0-97FD-606F-6C1F-5754342262ED}"/>
+                <a16:creationId xmlns:a16="http://schemas.microsoft.com/office/drawing/2014/main" id="{CB73509B-2C7D-0838-1C13-AD4F318DA91C}"/>
               </a:ext>
             </a:extLst>
           </p:cNvPr>
@@ -6072,449 +6078,45 @@
           <a:p>
             <a:r>
               <a:rPr lang="pt-BR" b="1" dirty="0"/>
-              <a:t>Funcionamento do projeto</a:t>
-            </a:r>
-          </a:p>
-        </p:txBody>
-      </p:sp>
-      <p:sp>
-        <p:nvSpPr>
-          <p:cNvPr id="4" name="Rectangle 1">
+              <a:t>Hardware do projeto</a:t>
+            </a:r>
+          </a:p>
+        </p:txBody>
+      </p:sp>
+      <p:pic>
+        <p:nvPicPr>
+          <p:cNvPr id="5" name="Imagem 4">
             <a:extLst>
               <a:ext uri="{FF2B5EF4-FFF2-40B4-BE49-F238E27FC236}">
-                <a16:creationId xmlns:a16="http://schemas.microsoft.com/office/drawing/2014/main" id="{C30AC97E-2284-260A-0780-7852A60281B6}"/>
+                <a16:creationId xmlns:a16="http://schemas.microsoft.com/office/drawing/2014/main" id="{1A9C27A3-3E9F-AEDB-41FE-D7BFF61A44CA}"/>
               </a:ext>
             </a:extLst>
           </p:cNvPr>
-          <p:cNvSpPr>
-            <a:spLocks noGrp="1" noChangeArrowheads="1"/>
-          </p:cNvSpPr>
-          <p:nvPr>
-            <p:ph idx="1"/>
-          </p:nvPr>
-        </p:nvSpPr>
-        <p:spPr bwMode="auto">
+          <p:cNvPicPr>
+            <a:picLocks noChangeAspect="1"/>
+          </p:cNvPicPr>
+          <p:nvPr/>
+        </p:nvPicPr>
+        <p:blipFill>
+          <a:blip r:embed="rId2"/>
+          <a:stretch>
+            <a:fillRect/>
+          </a:stretch>
+        </p:blipFill>
+        <p:spPr>
           <a:xfrm>
-            <a:off x="1295402" y="2533739"/>
-            <a:ext cx="8883970" cy="4324261"/>
+            <a:off x="2496228" y="2512243"/>
+            <a:ext cx="7199544" cy="3725554"/>
           </a:xfrm>
           <a:prstGeom prst="rect">
             <a:avLst/>
           </a:prstGeom>
-          <a:noFill/>
-          <a:ln>
-            <a:noFill/>
-          </a:ln>
-          <a:effectLst/>
-          <a:extLst>
-            <a:ext uri="{909E8E84-426E-40DD-AFC4-6F175D3DCCD1}">
-              <a14:hiddenFill xmlns:a14="http://schemas.microsoft.com/office/drawing/2010/main">
-                <a:solidFill>
-                  <a:schemeClr val="accent1"/>
-                </a:solidFill>
-              </a14:hiddenFill>
-            </a:ext>
-            <a:ext uri="{91240B29-F687-4F45-9708-019B960494DF}">
-              <a14:hiddenLine xmlns:a14="http://schemas.microsoft.com/office/drawing/2010/main" w="9525">
-                <a:solidFill>
-                  <a:schemeClr val="tx1"/>
-                </a:solidFill>
-                <a:miter lim="800000"/>
-                <a:headEnd/>
-                <a:tailEnd/>
-              </a14:hiddenLine>
-            </a:ext>
-            <a:ext uri="{AF507438-7753-43E0-B8FC-AC1667EBCBE1}">
-              <a14:hiddenEffects xmlns:a14="http://schemas.microsoft.com/office/drawing/2010/main">
-                <a:effectLst>
-                  <a:outerShdw dist="35921" dir="2700000" algn="ctr" rotWithShape="0">
-                    <a:schemeClr val="bg2"/>
-                  </a:outerShdw>
-                </a:effectLst>
-              </a14:hiddenEffects>
-            </a:ext>
-          </a:extLst>
         </p:spPr>
-        <p:txBody>
-          <a:bodyPr vert="horz" wrap="none" lIns="91440" tIns="45720" rIns="91440" bIns="45720" numCol="1" anchor="ctr" anchorCtr="0" compatLnSpc="1">
-            <a:prstTxWarp prst="textNoShape">
-              <a:avLst/>
-            </a:prstTxWarp>
-            <a:spAutoFit/>
-          </a:bodyPr>
-          <a:lstStyle/>
-          <a:p>
-            <a:pPr marL="342900" marR="0" lvl="0" indent="-342900" algn="l" defTabSz="914400" rtl="0" eaLnBrk="0" fontAlgn="base" latinLnBrk="0" hangingPunct="0">
-              <a:lnSpc>
-                <a:spcPct val="100000"/>
-              </a:lnSpc>
-              <a:spcBef>
-                <a:spcPts val="600"/>
-              </a:spcBef>
-              <a:buClrTx/>
-              <a:buSzTx/>
-              <a:buFont typeface="+mj-lt"/>
-              <a:buAutoNum type="arabicPeriod"/>
-              <a:tabLst/>
-            </a:pPr>
-            <a:r>
-              <a:rPr kumimoji="0" lang="pt-BR" altLang="pt-BR" sz="1800" b="0" i="0" u="none" strike="noStrike" cap="none" normalizeH="0" baseline="0" dirty="0">
-                <a:ln>
-                  <a:noFill/>
-                </a:ln>
-                <a:solidFill>
-                  <a:schemeClr val="tx1"/>
-                </a:solidFill>
-                <a:effectLst/>
-              </a:rPr>
-              <a:t>O </a:t>
-            </a:r>
-            <a:r>
-              <a:rPr kumimoji="0" lang="pt-BR" altLang="pt-BR" sz="1800" i="0" u="none" strike="noStrike" cap="none" normalizeH="0" baseline="0" dirty="0">
-                <a:ln>
-                  <a:noFill/>
-                </a:ln>
-                <a:solidFill>
-                  <a:schemeClr val="tx1"/>
-                </a:solidFill>
-                <a:effectLst/>
-              </a:rPr>
-              <a:t>sensor </a:t>
-            </a:r>
-            <a:r>
-              <a:rPr kumimoji="0" lang="pt-BR" altLang="pt-BR" sz="1800" b="1" i="0" u="none" strike="noStrike" cap="none" normalizeH="0" baseline="0" dirty="0">
-                <a:ln>
-                  <a:noFill/>
-                </a:ln>
-                <a:solidFill>
-                  <a:schemeClr val="tx1"/>
-                </a:solidFill>
-                <a:effectLst/>
-              </a:rPr>
-              <a:t>LDR</a:t>
-            </a:r>
-            <a:r>
-              <a:rPr kumimoji="0" lang="pt-BR" altLang="pt-BR" sz="1800" i="0" u="none" strike="noStrike" cap="none" normalizeH="0" baseline="0" dirty="0">
-                <a:ln>
-                  <a:noFill/>
-                </a:ln>
-                <a:solidFill>
-                  <a:schemeClr val="tx1"/>
-                </a:solidFill>
-                <a:effectLst/>
-              </a:rPr>
-              <a:t> </a:t>
-            </a:r>
-            <a:r>
-              <a:rPr kumimoji="0" lang="pt-BR" altLang="pt-BR" sz="1800" b="0" i="0" u="none" strike="noStrike" cap="none" normalizeH="0" baseline="0" dirty="0">
-                <a:ln>
-                  <a:noFill/>
-                </a:ln>
-                <a:solidFill>
-                  <a:schemeClr val="tx1"/>
-                </a:solidFill>
-                <a:effectLst/>
-              </a:rPr>
-              <a:t>mede a luz ambiente, </a:t>
-            </a:r>
-            <a:r>
-              <a:rPr lang="pt-BR" altLang="pt-BR" sz="1800" dirty="0">
-                <a:solidFill>
-                  <a:schemeClr val="tx1"/>
-                </a:solidFill>
-              </a:rPr>
-              <a:t>o </a:t>
-            </a:r>
-            <a:r>
-              <a:rPr kumimoji="0" lang="pt-BR" altLang="pt-BR" sz="1800" i="0" u="none" strike="noStrike" cap="none" normalizeH="0" baseline="0" dirty="0">
-                <a:ln>
-                  <a:noFill/>
-                </a:ln>
-                <a:solidFill>
-                  <a:schemeClr val="tx1"/>
-                </a:solidFill>
-                <a:effectLst/>
-              </a:rPr>
-              <a:t>sensor </a:t>
-            </a:r>
-            <a:r>
-              <a:rPr kumimoji="0" lang="pt-BR" altLang="pt-BR" sz="1800" b="1" i="0" u="none" strike="noStrike" cap="none" normalizeH="0" baseline="0" dirty="0">
-                <a:ln>
-                  <a:noFill/>
-                </a:ln>
-                <a:solidFill>
-                  <a:schemeClr val="tx1"/>
-                </a:solidFill>
-                <a:effectLst/>
-              </a:rPr>
-              <a:t>PIR</a:t>
-            </a:r>
-            <a:r>
-              <a:rPr kumimoji="0" lang="pt-BR" altLang="pt-BR" sz="1800" i="0" u="none" strike="noStrike" cap="none" normalizeH="0" baseline="0" dirty="0">
-                <a:ln>
-                  <a:noFill/>
-                </a:ln>
-                <a:solidFill>
-                  <a:schemeClr val="tx1"/>
-                </a:solidFill>
-                <a:effectLst/>
-              </a:rPr>
-              <a:t> </a:t>
-            </a:r>
-            <a:r>
-              <a:rPr kumimoji="0" lang="pt-BR" altLang="pt-BR" sz="1800" b="0" i="0" u="none" strike="noStrike" cap="none" normalizeH="0" baseline="0" dirty="0">
-                <a:ln>
-                  <a:noFill/>
-                </a:ln>
-                <a:solidFill>
-                  <a:schemeClr val="tx1"/>
-                </a:solidFill>
-                <a:effectLst/>
-              </a:rPr>
-              <a:t>detecta movimento.</a:t>
-            </a:r>
-            <a:endParaRPr lang="pt-BR" altLang="pt-BR" sz="1800" dirty="0">
-              <a:solidFill>
-                <a:schemeClr val="tx1"/>
-              </a:solidFill>
-            </a:endParaRPr>
-          </a:p>
-          <a:p>
-            <a:pPr marL="342900" indent="-342900" defTabSz="914400" eaLnBrk="0" fontAlgn="base" hangingPunct="0">
-              <a:spcBef>
-                <a:spcPts val="600"/>
-              </a:spcBef>
-              <a:buClrTx/>
-              <a:buSzTx/>
-              <a:buFont typeface="+mj-lt"/>
-              <a:buAutoNum type="arabicPeriod"/>
-            </a:pPr>
-            <a:r>
-              <a:rPr lang="pt-BR" altLang="pt-BR" sz="1800" dirty="0">
-                <a:solidFill>
-                  <a:schemeClr val="tx1"/>
-                </a:solidFill>
-              </a:rPr>
-              <a:t>Se for escuro e houver movimento, o sistema acende automaticamente o </a:t>
-            </a:r>
-            <a:r>
-              <a:rPr lang="pt-BR" altLang="pt-BR" sz="1800" b="1" dirty="0">
-                <a:solidFill>
-                  <a:schemeClr val="tx1"/>
-                </a:solidFill>
-              </a:rPr>
-              <a:t>LED</a:t>
-            </a:r>
-            <a:r>
-              <a:rPr lang="pt-BR" altLang="pt-BR" sz="1800" dirty="0">
-                <a:solidFill>
-                  <a:schemeClr val="tx1"/>
-                </a:solidFill>
-              </a:rPr>
-              <a:t> de iluminação.</a:t>
-            </a:r>
-          </a:p>
-          <a:p>
-            <a:pPr marL="342900" indent="-342900" defTabSz="914400" eaLnBrk="0" fontAlgn="base" hangingPunct="0">
-              <a:spcBef>
-                <a:spcPts val="600"/>
-              </a:spcBef>
-              <a:buClrTx/>
-              <a:buSzTx/>
-              <a:buFont typeface="+mj-lt"/>
-              <a:buAutoNum type="arabicPeriod"/>
-            </a:pPr>
-            <a:r>
-              <a:rPr lang="pt-BR" altLang="pt-BR" sz="1800" dirty="0">
-                <a:solidFill>
-                  <a:schemeClr val="tx1"/>
-                </a:solidFill>
-              </a:rPr>
-              <a:t>Quando o movimento cessa, a luz se apaga após alguns segundos.</a:t>
-            </a:r>
-          </a:p>
-          <a:p>
-            <a:pPr marL="342900" indent="-342900" defTabSz="914400" eaLnBrk="0" fontAlgn="base" hangingPunct="0">
-              <a:spcBef>
-                <a:spcPts val="600"/>
-              </a:spcBef>
-              <a:buClrTx/>
-              <a:buSzTx/>
-              <a:buFont typeface="+mj-lt"/>
-              <a:buAutoNum type="arabicPeriod"/>
-            </a:pPr>
-            <a:r>
-              <a:rPr lang="pt-BR" altLang="pt-BR" sz="1800" dirty="0">
-                <a:solidFill>
-                  <a:schemeClr val="tx1"/>
-                </a:solidFill>
-              </a:rPr>
-              <a:t>A </a:t>
-            </a:r>
-            <a:r>
-              <a:rPr lang="pt-BR" altLang="pt-BR" sz="1800" b="1" dirty="0">
-                <a:solidFill>
-                  <a:schemeClr val="tx1"/>
-                </a:solidFill>
-              </a:rPr>
-              <a:t>temperatura</a:t>
-            </a:r>
-            <a:r>
-              <a:rPr lang="pt-BR" altLang="pt-BR" sz="1800" dirty="0">
-                <a:solidFill>
-                  <a:schemeClr val="tx1"/>
-                </a:solidFill>
-              </a:rPr>
-              <a:t> é lida periodicamente e mostrada no </a:t>
-            </a:r>
-            <a:r>
-              <a:rPr lang="pt-BR" altLang="pt-BR" sz="1800" b="1" dirty="0">
-                <a:solidFill>
-                  <a:schemeClr val="tx1"/>
-                </a:solidFill>
-              </a:rPr>
-              <a:t>LCD</a:t>
-            </a:r>
-            <a:r>
-              <a:rPr lang="pt-BR" altLang="pt-BR" sz="1800" dirty="0">
-                <a:solidFill>
-                  <a:schemeClr val="tx1"/>
-                </a:solidFill>
-              </a:rPr>
-              <a:t>.</a:t>
-            </a:r>
-          </a:p>
-          <a:p>
-            <a:pPr marL="342900" indent="-342900" defTabSz="914400" eaLnBrk="0" fontAlgn="base" hangingPunct="0">
-              <a:spcBef>
-                <a:spcPts val="600"/>
-              </a:spcBef>
-              <a:buClrTx/>
-              <a:buSzTx/>
-              <a:buFont typeface="+mj-lt"/>
-              <a:buAutoNum type="arabicPeriod"/>
-            </a:pPr>
-            <a:r>
-              <a:rPr lang="pt-BR" altLang="pt-BR" sz="1800" dirty="0">
-                <a:solidFill>
-                  <a:schemeClr val="tx1"/>
-                </a:solidFill>
-              </a:rPr>
-              <a:t>O </a:t>
-            </a:r>
-            <a:r>
-              <a:rPr lang="pt-BR" altLang="pt-BR" sz="1800" b="1" dirty="0">
-                <a:solidFill>
-                  <a:schemeClr val="tx1"/>
-                </a:solidFill>
-              </a:rPr>
-              <a:t>sensor ultrassônico (HC-SR04)</a:t>
-            </a:r>
-            <a:r>
-              <a:rPr lang="pt-BR" altLang="pt-BR" sz="1800" dirty="0">
-                <a:solidFill>
-                  <a:schemeClr val="tx1"/>
-                </a:solidFill>
-              </a:rPr>
-              <a:t> mede a distância à frente dele.</a:t>
-            </a:r>
-          </a:p>
-          <a:p>
-            <a:pPr marL="342900" indent="-342900" defTabSz="914400" eaLnBrk="0" fontAlgn="base" hangingPunct="0">
-              <a:spcBef>
-                <a:spcPts val="600"/>
-              </a:spcBef>
-              <a:buClrTx/>
-              <a:buSzTx/>
-              <a:buFont typeface="+mj-lt"/>
-              <a:buAutoNum type="arabicPeriod"/>
-            </a:pPr>
-            <a:r>
-              <a:rPr lang="pt-BR" altLang="pt-BR" sz="1800" dirty="0">
-                <a:solidFill>
-                  <a:schemeClr val="tx1"/>
-                </a:solidFill>
-              </a:rPr>
-              <a:t>Se algo se aproximar a menos de 30 cm, o sistema considera intrusão e aciona o alarme </a:t>
-            </a:r>
-          </a:p>
-          <a:p>
-            <a:pPr marL="0" indent="0" defTabSz="914400" eaLnBrk="0" fontAlgn="base" hangingPunct="0">
-              <a:spcBef>
-                <a:spcPts val="600"/>
-              </a:spcBef>
-              <a:buClrTx/>
-              <a:buSzTx/>
-              <a:buNone/>
-            </a:pPr>
-            <a:r>
-              <a:rPr lang="pt-BR" altLang="pt-BR" sz="1800" b="1" dirty="0">
-                <a:solidFill>
-                  <a:schemeClr val="tx1"/>
-                </a:solidFill>
-              </a:rPr>
-              <a:t>(buzzer + LED vermelho + mensagem no LCD).</a:t>
-            </a:r>
-          </a:p>
-          <a:p>
-            <a:pPr marL="0" indent="0" defTabSz="914400" eaLnBrk="0" fontAlgn="base" hangingPunct="0">
-              <a:spcBef>
-                <a:spcPts val="600"/>
-              </a:spcBef>
-              <a:buClrTx/>
-              <a:buSzTx/>
-              <a:buNone/>
-            </a:pPr>
-            <a:r>
-              <a:rPr lang="pt-BR" altLang="pt-BR" sz="1800" dirty="0">
-                <a:solidFill>
-                  <a:schemeClr val="tx1"/>
-                </a:solidFill>
-              </a:rPr>
-              <a:t>7. O alarme toca por alguns segundos e depois se desliga automaticamente.</a:t>
-            </a:r>
-          </a:p>
-          <a:p>
-            <a:pPr marL="342900" indent="-342900" defTabSz="914400" eaLnBrk="0" fontAlgn="base" hangingPunct="0">
-              <a:spcBef>
-                <a:spcPts val="600"/>
-              </a:spcBef>
-              <a:buClrTx/>
-              <a:buSzTx/>
-              <a:buFont typeface="+mj-lt"/>
-              <a:buAutoNum type="arabicPeriod"/>
-            </a:pPr>
-            <a:endParaRPr lang="pt-BR" altLang="pt-BR" sz="1800" dirty="0">
-              <a:solidFill>
-                <a:schemeClr val="tx1"/>
-              </a:solidFill>
-            </a:endParaRPr>
-          </a:p>
-          <a:p>
-            <a:pPr marL="342900" indent="-342900" defTabSz="914400" eaLnBrk="0" fontAlgn="base" hangingPunct="0">
-              <a:spcBef>
-                <a:spcPts val="1200"/>
-              </a:spcBef>
-              <a:spcAft>
-                <a:spcPts val="1200"/>
-              </a:spcAft>
-              <a:buClrTx/>
-              <a:buSzTx/>
-              <a:buFont typeface="+mj-lt"/>
-              <a:buAutoNum type="arabicPeriod"/>
-            </a:pPr>
-            <a:endParaRPr lang="pt-BR" altLang="pt-BR" sz="1800" dirty="0">
-              <a:solidFill>
-                <a:schemeClr val="tx1"/>
-              </a:solidFill>
-            </a:endParaRPr>
-          </a:p>
-        </p:txBody>
-      </p:sp>
+      </p:pic>
     </p:spTree>
     <p:extLst>
       <p:ext uri="{BB962C8B-B14F-4D97-AF65-F5344CB8AC3E}">
-        <p14:creationId xmlns:p14="http://schemas.microsoft.com/office/powerpoint/2010/main" val="1194859159"/>
+        <p14:creationId xmlns:p14="http://schemas.microsoft.com/office/powerpoint/2010/main" val="3310661709"/>
       </p:ext>
     </p:extLst>
   </p:cSld>
@@ -6546,7 +6148,7 @@
           <p:cNvPr id="2" name="Título 1">
             <a:extLst>
               <a:ext uri="{FF2B5EF4-FFF2-40B4-BE49-F238E27FC236}">
-                <a16:creationId xmlns:a16="http://schemas.microsoft.com/office/drawing/2014/main" id="{980436B0-D0BD-FF52-0305-42354D5C398A}"/>
+                <a16:creationId xmlns:a16="http://schemas.microsoft.com/office/drawing/2014/main" id="{A44CDCC0-97FD-606F-6C1F-5754342262ED}"/>
               </a:ext>
             </a:extLst>
           </p:cNvPr>
@@ -6564,240 +6166,449 @@
           <a:p>
             <a:r>
               <a:rPr lang="pt-BR" b="1" dirty="0"/>
-              <a:t>Componentes do projeto</a:t>
-            </a:r>
-          </a:p>
-        </p:txBody>
-      </p:sp>
-      <p:sp>
-        <p:nvSpPr>
-          <p:cNvPr id="3" name="Espaço Reservado para Conteúdo 2">
+              <a:t>Funcionamento do projeto</a:t>
+            </a:r>
+          </a:p>
+        </p:txBody>
+      </p:sp>
+      <p:sp>
+        <p:nvSpPr>
+          <p:cNvPr id="4" name="Rectangle 1">
             <a:extLst>
               <a:ext uri="{FF2B5EF4-FFF2-40B4-BE49-F238E27FC236}">
-                <a16:creationId xmlns:a16="http://schemas.microsoft.com/office/drawing/2014/main" id="{DFBF4364-BE6F-4674-CDE7-E6D642B3F921}"/>
+                <a16:creationId xmlns:a16="http://schemas.microsoft.com/office/drawing/2014/main" id="{C30AC97E-2284-260A-0780-7852A60281B6}"/>
               </a:ext>
             </a:extLst>
           </p:cNvPr>
           <p:cNvSpPr>
-            <a:spLocks noGrp="1"/>
+            <a:spLocks noGrp="1" noChangeArrowheads="1"/>
           </p:cNvSpPr>
           <p:nvPr>
             <p:ph idx="1"/>
           </p:nvPr>
         </p:nvSpPr>
-        <p:spPr>
+        <p:spPr bwMode="auto">
           <a:xfrm>
-            <a:off x="1295401" y="2556932"/>
-            <a:ext cx="4218431" cy="3130636"/>
-          </a:xfrm>
-        </p:spPr>
-        <p:txBody>
-          <a:bodyPr>
-            <a:normAutofit/>
-          </a:bodyPr>
-          <a:lstStyle/>
-          <a:p>
-            <a:pPr marL="0" indent="0" algn="ctr">
-              <a:spcAft>
-                <a:spcPts val="800"/>
-              </a:spcAft>
-              <a:buNone/>
-            </a:pPr>
-            <a:r>
-              <a:rPr lang="pt-BR" sz="2800" b="1" dirty="0">
-                <a:latin typeface="+mj-lt"/>
-              </a:rPr>
-              <a:t>Sensores</a:t>
-            </a:r>
-          </a:p>
-          <a:p>
-            <a:r>
-              <a:rPr lang="pt-BR" dirty="0"/>
-              <a:t>Sensor </a:t>
-            </a:r>
-            <a:r>
-              <a:rPr lang="pt-BR" b="1" dirty="0"/>
-              <a:t>PIR</a:t>
-            </a:r>
-          </a:p>
-          <a:p>
-            <a:r>
-              <a:rPr lang="pt-BR" dirty="0"/>
-              <a:t>Sensor </a:t>
-            </a:r>
-            <a:r>
-              <a:rPr lang="pt-BR" b="1" dirty="0"/>
-              <a:t>LDR</a:t>
-            </a:r>
-          </a:p>
-          <a:p>
-            <a:r>
-              <a:rPr lang="pt-BR" dirty="0"/>
-              <a:t>Sensor </a:t>
-            </a:r>
-            <a:r>
-              <a:rPr lang="pt-BR" b="1" dirty="0"/>
-              <a:t>TMP36</a:t>
-            </a:r>
-          </a:p>
-          <a:p>
-            <a:r>
-              <a:rPr lang="pt-BR" dirty="0"/>
-              <a:t>Sensor Ultrassônico </a:t>
-            </a:r>
-            <a:r>
-              <a:rPr lang="pt-BR" b="1" dirty="0"/>
-              <a:t>HC-SR04</a:t>
-            </a:r>
-          </a:p>
-          <a:p>
-            <a:r>
-              <a:rPr lang="pt-BR" b="1" dirty="0"/>
-              <a:t>Potenciômetro</a:t>
-            </a:r>
-          </a:p>
-        </p:txBody>
-      </p:sp>
-      <p:sp>
-        <p:nvSpPr>
-          <p:cNvPr id="5" name="CaixaDeTexto 4">
-            <a:extLst>
-              <a:ext uri="{FF2B5EF4-FFF2-40B4-BE49-F238E27FC236}">
-                <a16:creationId xmlns:a16="http://schemas.microsoft.com/office/drawing/2014/main" id="{8B5A252D-9FDF-B2E4-3B89-15492797557C}"/>
-              </a:ext>
-            </a:extLst>
-          </p:cNvPr>
-          <p:cNvSpPr txBox="1"/>
-          <p:nvPr/>
-        </p:nvSpPr>
-        <p:spPr>
-          <a:xfrm>
-            <a:off x="6254496" y="2556932"/>
-            <a:ext cx="4218431" cy="2616101"/>
+            <a:off x="1295402" y="2533739"/>
+            <a:ext cx="8883970" cy="4324261"/>
           </a:xfrm>
           <a:prstGeom prst="rect">
             <a:avLst/>
           </a:prstGeom>
           <a:noFill/>
+          <a:ln>
+            <a:noFill/>
+          </a:ln>
+          <a:effectLst/>
+          <a:extLst>
+            <a:ext uri="{909E8E84-426E-40DD-AFC4-6F175D3DCCD1}">
+              <a14:hiddenFill xmlns:a14="http://schemas.microsoft.com/office/drawing/2010/main">
+                <a:solidFill>
+                  <a:schemeClr val="accent1"/>
+                </a:solidFill>
+              </a14:hiddenFill>
+            </a:ext>
+            <a:ext uri="{91240B29-F687-4F45-9708-019B960494DF}">
+              <a14:hiddenLine xmlns:a14="http://schemas.microsoft.com/office/drawing/2010/main" w="9525">
+                <a:solidFill>
+                  <a:schemeClr val="tx1"/>
+                </a:solidFill>
+                <a:miter lim="800000"/>
+                <a:headEnd/>
+                <a:tailEnd/>
+              </a14:hiddenLine>
+            </a:ext>
+            <a:ext uri="{AF507438-7753-43E0-B8FC-AC1667EBCBE1}">
+              <a14:hiddenEffects xmlns:a14="http://schemas.microsoft.com/office/drawing/2010/main">
+                <a:effectLst>
+                  <a:outerShdw dist="35921" dir="2700000" algn="ctr" rotWithShape="0">
+                    <a:schemeClr val="bg2"/>
+                  </a:outerShdw>
+                </a:effectLst>
+              </a14:hiddenEffects>
+            </a:ext>
+          </a:extLst>
         </p:spPr>
         <p:txBody>
-          <a:bodyPr wrap="square" rtlCol="0">
+          <a:bodyPr vert="horz" wrap="none" lIns="91440" tIns="45720" rIns="91440" bIns="45720" numCol="1" anchor="ctr" anchorCtr="0" compatLnSpc="1">
+            <a:prstTxWarp prst="textNoShape">
+              <a:avLst/>
+            </a:prstTxWarp>
             <a:spAutoFit/>
           </a:bodyPr>
           <a:lstStyle/>
           <a:p>
-            <a:pPr algn="ctr">
+            <a:pPr marL="342900" marR="0" lvl="0" indent="-342900" algn="l" defTabSz="914400" rtl="0" eaLnBrk="0" fontAlgn="base" latinLnBrk="0" hangingPunct="0">
+              <a:lnSpc>
+                <a:spcPct val="100000"/>
+              </a:lnSpc>
               <a:spcBef>
-                <a:spcPts val="576"/>
+                <a:spcPts val="600"/>
+              </a:spcBef>
+              <a:buClrTx/>
+              <a:buSzTx/>
+              <a:buFont typeface="+mj-lt"/>
+              <a:buAutoNum type="arabicPeriod"/>
+              <a:tabLst/>
+            </a:pPr>
+            <a:r>
+              <a:rPr kumimoji="0" lang="pt-BR" altLang="pt-BR" sz="1800" b="0" i="0" u="none" strike="noStrike" cap="none" normalizeH="0" baseline="0" dirty="0">
+                <a:ln>
+                  <a:noFill/>
+                </a:ln>
+                <a:solidFill>
+                  <a:schemeClr val="tx1"/>
+                </a:solidFill>
+                <a:effectLst/>
+              </a:rPr>
+              <a:t>O </a:t>
+            </a:r>
+            <a:r>
+              <a:rPr kumimoji="0" lang="pt-BR" altLang="pt-BR" sz="1800" i="0" u="none" strike="noStrike" cap="none" normalizeH="0" baseline="0" dirty="0">
+                <a:ln>
+                  <a:noFill/>
+                </a:ln>
+                <a:solidFill>
+                  <a:schemeClr val="tx1"/>
+                </a:solidFill>
+                <a:effectLst/>
+              </a:rPr>
+              <a:t>sensor </a:t>
+            </a:r>
+            <a:r>
+              <a:rPr kumimoji="0" lang="pt-BR" altLang="pt-BR" sz="1800" b="1" i="0" u="none" strike="noStrike" cap="none" normalizeH="0" baseline="0" dirty="0">
+                <a:ln>
+                  <a:noFill/>
+                </a:ln>
+                <a:solidFill>
+                  <a:schemeClr val="tx1"/>
+                </a:solidFill>
+                <a:effectLst/>
+              </a:rPr>
+              <a:t>LDR</a:t>
+            </a:r>
+            <a:r>
+              <a:rPr kumimoji="0" lang="pt-BR" altLang="pt-BR" sz="1800" i="0" u="none" strike="noStrike" cap="none" normalizeH="0" baseline="0" dirty="0">
+                <a:ln>
+                  <a:noFill/>
+                </a:ln>
+                <a:solidFill>
+                  <a:schemeClr val="tx1"/>
+                </a:solidFill>
+                <a:effectLst/>
+              </a:rPr>
+              <a:t> </a:t>
+            </a:r>
+            <a:r>
+              <a:rPr kumimoji="0" lang="pt-BR" altLang="pt-BR" sz="1800" b="0" i="0" u="none" strike="noStrike" cap="none" normalizeH="0" baseline="0" dirty="0">
+                <a:ln>
+                  <a:noFill/>
+                </a:ln>
+                <a:solidFill>
+                  <a:schemeClr val="tx1"/>
+                </a:solidFill>
+                <a:effectLst/>
+              </a:rPr>
+              <a:t>mede a luz ambiente, </a:t>
+            </a:r>
+            <a:r>
+              <a:rPr lang="pt-BR" altLang="pt-BR" sz="1800" dirty="0">
+                <a:solidFill>
+                  <a:schemeClr val="tx1"/>
+                </a:solidFill>
+              </a:rPr>
+              <a:t>o </a:t>
+            </a:r>
+            <a:r>
+              <a:rPr kumimoji="0" lang="pt-BR" altLang="pt-BR" sz="1800" i="0" u="none" strike="noStrike" cap="none" normalizeH="0" baseline="0" dirty="0">
+                <a:ln>
+                  <a:noFill/>
+                </a:ln>
+                <a:solidFill>
+                  <a:schemeClr val="tx1"/>
+                </a:solidFill>
+                <a:effectLst/>
+              </a:rPr>
+              <a:t>sensor </a:t>
+            </a:r>
+            <a:r>
+              <a:rPr kumimoji="0" lang="pt-BR" altLang="pt-BR" sz="1800" b="1" i="0" u="none" strike="noStrike" cap="none" normalizeH="0" baseline="0" dirty="0">
+                <a:ln>
+                  <a:noFill/>
+                </a:ln>
+                <a:solidFill>
+                  <a:schemeClr val="tx1"/>
+                </a:solidFill>
+                <a:effectLst/>
+              </a:rPr>
+              <a:t>PIR</a:t>
+            </a:r>
+            <a:r>
+              <a:rPr kumimoji="0" lang="pt-BR" altLang="pt-BR" sz="1800" i="0" u="none" strike="noStrike" cap="none" normalizeH="0" baseline="0" dirty="0">
+                <a:ln>
+                  <a:noFill/>
+                </a:ln>
+                <a:solidFill>
+                  <a:schemeClr val="tx1"/>
+                </a:solidFill>
+                <a:effectLst/>
+              </a:rPr>
+              <a:t> </a:t>
+            </a:r>
+            <a:r>
+              <a:rPr kumimoji="0" lang="pt-BR" altLang="pt-BR" sz="1800" b="0" i="0" u="none" strike="noStrike" cap="none" normalizeH="0" baseline="0" dirty="0">
+                <a:ln>
+                  <a:noFill/>
+                </a:ln>
+                <a:solidFill>
+                  <a:schemeClr val="tx1"/>
+                </a:solidFill>
+                <a:effectLst/>
+              </a:rPr>
+              <a:t>detecta movimento.</a:t>
+            </a:r>
+            <a:endParaRPr lang="pt-BR" altLang="pt-BR" sz="1800" dirty="0">
+              <a:solidFill>
+                <a:schemeClr val="tx1"/>
+              </a:solidFill>
+            </a:endParaRPr>
+          </a:p>
+          <a:p>
+            <a:pPr marL="342900" indent="-342900" defTabSz="914400" eaLnBrk="0" fontAlgn="base" hangingPunct="0">
+              <a:spcBef>
+                <a:spcPts val="600"/>
+              </a:spcBef>
+              <a:buClrTx/>
+              <a:buSzTx/>
+              <a:buFont typeface="+mj-lt"/>
+              <a:buAutoNum type="arabicPeriod"/>
+            </a:pPr>
+            <a:r>
+              <a:rPr lang="pt-BR" altLang="pt-BR" sz="1800" dirty="0">
+                <a:solidFill>
+                  <a:schemeClr val="tx1"/>
+                </a:solidFill>
+              </a:rPr>
+              <a:t>Se for escuro e houver movimento, o sistema acende automaticamente o </a:t>
+            </a:r>
+            <a:r>
+              <a:rPr lang="pt-BR" altLang="pt-BR" sz="1800" b="1" dirty="0">
+                <a:solidFill>
+                  <a:schemeClr val="tx1"/>
+                </a:solidFill>
+              </a:rPr>
+              <a:t>LED</a:t>
+            </a:r>
+            <a:r>
+              <a:rPr lang="pt-BR" altLang="pt-BR" sz="1800" dirty="0">
+                <a:solidFill>
+                  <a:schemeClr val="tx1"/>
+                </a:solidFill>
+              </a:rPr>
+              <a:t> de iluminação.</a:t>
+            </a:r>
+          </a:p>
+          <a:p>
+            <a:pPr marL="342900" indent="-342900" defTabSz="914400" eaLnBrk="0" fontAlgn="base" hangingPunct="0">
+              <a:spcBef>
+                <a:spcPts val="600"/>
+              </a:spcBef>
+              <a:buClrTx/>
+              <a:buSzTx/>
+              <a:buFont typeface="+mj-lt"/>
+              <a:buAutoNum type="arabicPeriod"/>
+            </a:pPr>
+            <a:r>
+              <a:rPr lang="pt-BR" altLang="pt-BR" sz="1800" dirty="0">
+                <a:solidFill>
+                  <a:schemeClr val="tx1"/>
+                </a:solidFill>
+              </a:rPr>
+              <a:t>Quando o movimento cessa, a luz se apaga após alguns segundos.</a:t>
+            </a:r>
+          </a:p>
+          <a:p>
+            <a:pPr marL="342900" indent="-342900" defTabSz="914400" eaLnBrk="0" fontAlgn="base" hangingPunct="0">
+              <a:spcBef>
+                <a:spcPts val="600"/>
+              </a:spcBef>
+              <a:buClrTx/>
+              <a:buSzTx/>
+              <a:buFont typeface="+mj-lt"/>
+              <a:buAutoNum type="arabicPeriod"/>
+            </a:pPr>
+            <a:r>
+              <a:rPr lang="pt-BR" altLang="pt-BR" sz="1800" dirty="0">
+                <a:solidFill>
+                  <a:schemeClr val="tx1"/>
+                </a:solidFill>
+              </a:rPr>
+              <a:t>A </a:t>
+            </a:r>
+            <a:r>
+              <a:rPr lang="pt-BR" altLang="pt-BR" sz="1800" b="1" dirty="0">
+                <a:solidFill>
+                  <a:schemeClr val="tx1"/>
+                </a:solidFill>
+              </a:rPr>
+              <a:t>temperatura</a:t>
+            </a:r>
+            <a:r>
+              <a:rPr lang="pt-BR" altLang="pt-BR" sz="1800" dirty="0">
+                <a:solidFill>
+                  <a:schemeClr val="tx1"/>
+                </a:solidFill>
+              </a:rPr>
+              <a:t> é lida periodicamente e mostrada no </a:t>
+            </a:r>
+            <a:r>
+              <a:rPr lang="pt-BR" altLang="pt-BR" sz="1800" b="1" dirty="0">
+                <a:solidFill>
+                  <a:schemeClr val="tx1"/>
+                </a:solidFill>
+              </a:rPr>
+              <a:t>LCD</a:t>
+            </a:r>
+            <a:r>
+              <a:rPr lang="pt-BR" altLang="pt-BR" sz="1800" dirty="0">
+                <a:solidFill>
+                  <a:schemeClr val="tx1"/>
+                </a:solidFill>
+              </a:rPr>
+              <a:t>.</a:t>
+            </a:r>
+          </a:p>
+          <a:p>
+            <a:pPr marL="342900" indent="-342900" defTabSz="914400" eaLnBrk="0" fontAlgn="base" hangingPunct="0">
+              <a:spcBef>
+                <a:spcPts val="600"/>
+              </a:spcBef>
+              <a:buClrTx/>
+              <a:buSzTx/>
+              <a:buFont typeface="+mj-lt"/>
+              <a:buAutoNum type="arabicPeriod"/>
+            </a:pPr>
+            <a:r>
+              <a:rPr lang="pt-BR" altLang="pt-BR" sz="1800" dirty="0">
+                <a:solidFill>
+                  <a:schemeClr val="tx1"/>
+                </a:solidFill>
+              </a:rPr>
+              <a:t>O </a:t>
+            </a:r>
+            <a:r>
+              <a:rPr lang="pt-BR" altLang="pt-BR" sz="1800" b="1" dirty="0">
+                <a:solidFill>
+                  <a:schemeClr val="tx1"/>
+                </a:solidFill>
+              </a:rPr>
+              <a:t>sensor ultrassônico (HC-SR04)</a:t>
+            </a:r>
+            <a:r>
+              <a:rPr lang="pt-BR" altLang="pt-BR" sz="1800" dirty="0">
+                <a:solidFill>
+                  <a:schemeClr val="tx1"/>
+                </a:solidFill>
+              </a:rPr>
+              <a:t> mede a distância à frente dele.</a:t>
+            </a:r>
+          </a:p>
+          <a:p>
+            <a:pPr marL="342900" indent="-342900" defTabSz="914400" eaLnBrk="0" fontAlgn="base" hangingPunct="0">
+              <a:spcBef>
+                <a:spcPts val="600"/>
+              </a:spcBef>
+              <a:buClrTx/>
+              <a:buSzTx/>
+              <a:buFont typeface="+mj-lt"/>
+              <a:buAutoNum type="arabicPeriod"/>
+            </a:pPr>
+            <a:r>
+              <a:rPr lang="pt-BR" altLang="pt-BR" sz="1800" dirty="0">
+                <a:solidFill>
+                  <a:schemeClr val="tx1"/>
+                </a:solidFill>
+              </a:rPr>
+              <a:t>Se algo se aproximar a menos de 30 cm, o sistema considera intrusão e aciona o alarme </a:t>
+            </a:r>
+          </a:p>
+          <a:p>
+            <a:pPr marL="0" indent="0" defTabSz="914400" eaLnBrk="0" fontAlgn="base" hangingPunct="0">
+              <a:spcBef>
+                <a:spcPts val="600"/>
+              </a:spcBef>
+              <a:buClrTx/>
+              <a:buSzTx/>
+              <a:buNone/>
+            </a:pPr>
+            <a:r>
+              <a:rPr lang="pt-BR" altLang="pt-BR" sz="1800" b="1" dirty="0">
+                <a:solidFill>
+                  <a:schemeClr val="tx1"/>
+                </a:solidFill>
+              </a:rPr>
+              <a:t>(buzzer + LED vermelho + mensagem no LCD).</a:t>
+            </a:r>
+          </a:p>
+          <a:p>
+            <a:pPr marL="0" indent="0" defTabSz="914400" eaLnBrk="0" fontAlgn="base" hangingPunct="0">
+              <a:spcBef>
+                <a:spcPts val="600"/>
+              </a:spcBef>
+              <a:buClrTx/>
+              <a:buSzTx/>
+              <a:buNone/>
+            </a:pPr>
+            <a:r>
+              <a:rPr lang="pt-BR" altLang="pt-BR" sz="1800" dirty="0">
+                <a:solidFill>
+                  <a:schemeClr val="tx1"/>
+                </a:solidFill>
+              </a:rPr>
+              <a:t>7. O alarme toca por alguns segundos e depois se desliga automaticamente.</a:t>
+            </a:r>
+          </a:p>
+          <a:p>
+            <a:pPr marL="342900" indent="-342900" defTabSz="914400" eaLnBrk="0" fontAlgn="base" hangingPunct="0">
+              <a:spcBef>
+                <a:spcPts val="600"/>
+              </a:spcBef>
+              <a:buClrTx/>
+              <a:buSzTx/>
+              <a:buFont typeface="+mj-lt"/>
+              <a:buAutoNum type="arabicPeriod"/>
+            </a:pPr>
+            <a:endParaRPr lang="pt-BR" altLang="pt-BR" sz="1800" dirty="0">
+              <a:solidFill>
+                <a:schemeClr val="tx1"/>
+              </a:solidFill>
+            </a:endParaRPr>
+          </a:p>
+          <a:p>
+            <a:pPr marL="342900" indent="-342900" defTabSz="914400" eaLnBrk="0" fontAlgn="base" hangingPunct="0">
+              <a:spcBef>
+                <a:spcPts val="1200"/>
               </a:spcBef>
               <a:spcAft>
-                <a:spcPts val="600"/>
+                <a:spcPts val="1200"/>
               </a:spcAft>
-              <a:buClr>
-                <a:schemeClr val="accent1"/>
-              </a:buClr>
+              <a:buClrTx/>
+              <a:buSzTx/>
+              <a:buFont typeface="+mj-lt"/>
+              <a:buAutoNum type="arabicPeriod"/>
             </a:pPr>
-            <a:r>
-              <a:rPr lang="pt-BR" sz="2800" b="1" dirty="0">
-                <a:latin typeface="+mj-lt"/>
-              </a:rPr>
-              <a:t>Atuadores</a:t>
-            </a:r>
-          </a:p>
-          <a:p>
-            <a:pPr marL="284400" indent="-284400">
-              <a:spcBef>
-                <a:spcPts val="576"/>
-              </a:spcBef>
-              <a:spcAft>
-                <a:spcPts val="600"/>
-              </a:spcAft>
-              <a:buClr>
-                <a:schemeClr val="accent1"/>
-              </a:buClr>
-              <a:buFont typeface="Arial" panose="020B0604020202020204" pitchFamily="34" charset="0"/>
-              <a:buChar char="•"/>
-            </a:pPr>
-            <a:r>
-              <a:rPr lang="pt-BR" sz="2400" b="1" dirty="0"/>
-              <a:t>Buzzer</a:t>
-            </a:r>
-          </a:p>
-          <a:p>
-            <a:pPr marL="284400" indent="-284400">
-              <a:spcBef>
-                <a:spcPts val="576"/>
-              </a:spcBef>
-              <a:spcAft>
-                <a:spcPts val="600"/>
-              </a:spcAft>
-              <a:buClr>
-                <a:schemeClr val="accent1"/>
-              </a:buClr>
-              <a:buFont typeface="Arial" panose="020B0604020202020204" pitchFamily="34" charset="0"/>
-              <a:buChar char="•"/>
-            </a:pPr>
-            <a:r>
-              <a:rPr lang="pt-BR" sz="2400" dirty="0"/>
-              <a:t>Display </a:t>
-            </a:r>
-            <a:r>
-              <a:rPr lang="pt-BR" sz="2400" b="1" dirty="0"/>
-              <a:t>LCD 16x2</a:t>
-            </a:r>
-          </a:p>
-          <a:p>
-            <a:pPr marL="284400" indent="-284400">
-              <a:spcBef>
-                <a:spcPts val="576"/>
-              </a:spcBef>
-              <a:spcAft>
-                <a:spcPts val="600"/>
-              </a:spcAft>
-              <a:buClr>
-                <a:schemeClr val="accent1"/>
-              </a:buClr>
-              <a:buFont typeface="Arial" panose="020B0604020202020204" pitchFamily="34" charset="0"/>
-              <a:buChar char="•"/>
-            </a:pPr>
-            <a:r>
-              <a:rPr lang="pt-BR" sz="2400" dirty="0"/>
-              <a:t>Lâmpada de </a:t>
-            </a:r>
-            <a:r>
-              <a:rPr lang="pt-BR" sz="2400" b="1" dirty="0"/>
-              <a:t>LED</a:t>
-            </a:r>
-          </a:p>
-          <a:p>
-            <a:pPr marL="284400" indent="-284400">
-              <a:spcBef>
-                <a:spcPts val="576"/>
-              </a:spcBef>
-              <a:spcAft>
-                <a:spcPts val="600"/>
-              </a:spcAft>
-              <a:buClr>
-                <a:schemeClr val="accent1"/>
-              </a:buClr>
-              <a:buFont typeface="Arial" panose="020B0604020202020204" pitchFamily="34" charset="0"/>
-              <a:buChar char="•"/>
-            </a:pPr>
-            <a:r>
-              <a:rPr lang="pt-BR" sz="2400" b="1" dirty="0"/>
-              <a:t>LED</a:t>
-            </a:r>
-            <a:r>
-              <a:rPr lang="pt-BR" sz="2400" dirty="0"/>
-              <a:t> (vermelho)</a:t>
-            </a:r>
+            <a:endParaRPr lang="pt-BR" altLang="pt-BR" sz="1800" dirty="0">
+              <a:solidFill>
+                <a:schemeClr val="tx1"/>
+              </a:solidFill>
+            </a:endParaRPr>
           </a:p>
         </p:txBody>
       </p:sp>
     </p:spTree>
     <p:extLst>
       <p:ext uri="{BB962C8B-B14F-4D97-AF65-F5344CB8AC3E}">
-        <p14:creationId xmlns:p14="http://schemas.microsoft.com/office/powerpoint/2010/main" val="3320385145"/>
+        <p14:creationId xmlns:p14="http://schemas.microsoft.com/office/powerpoint/2010/main" val="1194859159"/>
       </p:ext>
     </p:extLst>
   </p:cSld>
@@ -6829,6 +6640,289 @@
           <p:cNvPr id="2" name="Título 1">
             <a:extLst>
               <a:ext uri="{FF2B5EF4-FFF2-40B4-BE49-F238E27FC236}">
+                <a16:creationId xmlns:a16="http://schemas.microsoft.com/office/drawing/2014/main" id="{980436B0-D0BD-FF52-0305-42354D5C398A}"/>
+              </a:ext>
+            </a:extLst>
+          </p:cNvPr>
+          <p:cNvSpPr>
+            <a:spLocks noGrp="1"/>
+          </p:cNvSpPr>
+          <p:nvPr>
+            <p:ph type="title"/>
+          </p:nvPr>
+        </p:nvSpPr>
+        <p:spPr/>
+        <p:txBody>
+          <a:bodyPr/>
+          <a:lstStyle/>
+          <a:p>
+            <a:r>
+              <a:rPr lang="pt-BR" b="1" dirty="0"/>
+              <a:t>Componentes do projeto</a:t>
+            </a:r>
+          </a:p>
+        </p:txBody>
+      </p:sp>
+      <p:sp>
+        <p:nvSpPr>
+          <p:cNvPr id="3" name="Espaço Reservado para Conteúdo 2">
+            <a:extLst>
+              <a:ext uri="{FF2B5EF4-FFF2-40B4-BE49-F238E27FC236}">
+                <a16:creationId xmlns:a16="http://schemas.microsoft.com/office/drawing/2014/main" id="{DFBF4364-BE6F-4674-CDE7-E6D642B3F921}"/>
+              </a:ext>
+            </a:extLst>
+          </p:cNvPr>
+          <p:cNvSpPr>
+            <a:spLocks noGrp="1"/>
+          </p:cNvSpPr>
+          <p:nvPr>
+            <p:ph idx="1"/>
+          </p:nvPr>
+        </p:nvSpPr>
+        <p:spPr>
+          <a:xfrm>
+            <a:off x="1295401" y="2556932"/>
+            <a:ext cx="4218431" cy="3130636"/>
+          </a:xfrm>
+        </p:spPr>
+        <p:txBody>
+          <a:bodyPr>
+            <a:normAutofit/>
+          </a:bodyPr>
+          <a:lstStyle/>
+          <a:p>
+            <a:pPr marL="0" indent="0" algn="ctr">
+              <a:spcAft>
+                <a:spcPts val="800"/>
+              </a:spcAft>
+              <a:buNone/>
+            </a:pPr>
+            <a:r>
+              <a:rPr lang="pt-BR" sz="2800" b="1" dirty="0">
+                <a:latin typeface="+mj-lt"/>
+              </a:rPr>
+              <a:t>Sensores</a:t>
+            </a:r>
+          </a:p>
+          <a:p>
+            <a:r>
+              <a:rPr lang="pt-BR" dirty="0"/>
+              <a:t>Sensor </a:t>
+            </a:r>
+            <a:r>
+              <a:rPr lang="pt-BR" b="1" dirty="0"/>
+              <a:t>PIR</a:t>
+            </a:r>
+          </a:p>
+          <a:p>
+            <a:r>
+              <a:rPr lang="pt-BR" dirty="0"/>
+              <a:t>Sensor </a:t>
+            </a:r>
+            <a:r>
+              <a:rPr lang="pt-BR" b="1" dirty="0"/>
+              <a:t>LDR</a:t>
+            </a:r>
+          </a:p>
+          <a:p>
+            <a:r>
+              <a:rPr lang="pt-BR" dirty="0"/>
+              <a:t>Sensor </a:t>
+            </a:r>
+            <a:r>
+              <a:rPr lang="pt-BR" b="1" dirty="0"/>
+              <a:t>TMP36</a:t>
+            </a:r>
+          </a:p>
+          <a:p>
+            <a:r>
+              <a:rPr lang="pt-BR" dirty="0"/>
+              <a:t>Sensor Ultrassônico </a:t>
+            </a:r>
+            <a:r>
+              <a:rPr lang="pt-BR" b="1" dirty="0"/>
+              <a:t>HC-SR04</a:t>
+            </a:r>
+          </a:p>
+          <a:p>
+            <a:r>
+              <a:rPr lang="pt-BR" b="1" dirty="0"/>
+              <a:t>Potenciômetro</a:t>
+            </a:r>
+          </a:p>
+        </p:txBody>
+      </p:sp>
+      <p:sp>
+        <p:nvSpPr>
+          <p:cNvPr id="5" name="CaixaDeTexto 4">
+            <a:extLst>
+              <a:ext uri="{FF2B5EF4-FFF2-40B4-BE49-F238E27FC236}">
+                <a16:creationId xmlns:a16="http://schemas.microsoft.com/office/drawing/2014/main" id="{8B5A252D-9FDF-B2E4-3B89-15492797557C}"/>
+              </a:ext>
+            </a:extLst>
+          </p:cNvPr>
+          <p:cNvSpPr txBox="1"/>
+          <p:nvPr/>
+        </p:nvSpPr>
+        <p:spPr>
+          <a:xfrm>
+            <a:off x="6254496" y="2556932"/>
+            <a:ext cx="4218431" cy="2616101"/>
+          </a:xfrm>
+          <a:prstGeom prst="rect">
+            <a:avLst/>
+          </a:prstGeom>
+          <a:noFill/>
+        </p:spPr>
+        <p:txBody>
+          <a:bodyPr wrap="square" rtlCol="0">
+            <a:spAutoFit/>
+          </a:bodyPr>
+          <a:lstStyle/>
+          <a:p>
+            <a:pPr algn="ctr">
+              <a:spcBef>
+                <a:spcPts val="576"/>
+              </a:spcBef>
+              <a:spcAft>
+                <a:spcPts val="600"/>
+              </a:spcAft>
+              <a:buClr>
+                <a:schemeClr val="accent1"/>
+              </a:buClr>
+            </a:pPr>
+            <a:r>
+              <a:rPr lang="pt-BR" sz="2800" b="1" dirty="0">
+                <a:latin typeface="+mj-lt"/>
+              </a:rPr>
+              <a:t>Atuadores</a:t>
+            </a:r>
+          </a:p>
+          <a:p>
+            <a:pPr marL="284400" indent="-284400">
+              <a:spcBef>
+                <a:spcPts val="576"/>
+              </a:spcBef>
+              <a:spcAft>
+                <a:spcPts val="600"/>
+              </a:spcAft>
+              <a:buClr>
+                <a:schemeClr val="accent1"/>
+              </a:buClr>
+              <a:buFont typeface="Arial" panose="020B0604020202020204" pitchFamily="34" charset="0"/>
+              <a:buChar char="•"/>
+            </a:pPr>
+            <a:r>
+              <a:rPr lang="pt-BR" sz="2400" b="1" dirty="0"/>
+              <a:t>Buzzer</a:t>
+            </a:r>
+          </a:p>
+          <a:p>
+            <a:pPr marL="284400" indent="-284400">
+              <a:spcBef>
+                <a:spcPts val="576"/>
+              </a:spcBef>
+              <a:spcAft>
+                <a:spcPts val="600"/>
+              </a:spcAft>
+              <a:buClr>
+                <a:schemeClr val="accent1"/>
+              </a:buClr>
+              <a:buFont typeface="Arial" panose="020B0604020202020204" pitchFamily="34" charset="0"/>
+              <a:buChar char="•"/>
+            </a:pPr>
+            <a:r>
+              <a:rPr lang="pt-BR" sz="2400" dirty="0"/>
+              <a:t>Display </a:t>
+            </a:r>
+            <a:r>
+              <a:rPr lang="pt-BR" sz="2400" b="1" dirty="0"/>
+              <a:t>LCD 16x2</a:t>
+            </a:r>
+          </a:p>
+          <a:p>
+            <a:pPr marL="284400" indent="-284400">
+              <a:spcBef>
+                <a:spcPts val="576"/>
+              </a:spcBef>
+              <a:spcAft>
+                <a:spcPts val="600"/>
+              </a:spcAft>
+              <a:buClr>
+                <a:schemeClr val="accent1"/>
+              </a:buClr>
+              <a:buFont typeface="Arial" panose="020B0604020202020204" pitchFamily="34" charset="0"/>
+              <a:buChar char="•"/>
+            </a:pPr>
+            <a:r>
+              <a:rPr lang="pt-BR" sz="2400" dirty="0"/>
+              <a:t>Lâmpada de </a:t>
+            </a:r>
+            <a:r>
+              <a:rPr lang="pt-BR" sz="2400" b="1" dirty="0"/>
+              <a:t>LED</a:t>
+            </a:r>
+          </a:p>
+          <a:p>
+            <a:pPr marL="284400" indent="-284400">
+              <a:spcBef>
+                <a:spcPts val="576"/>
+              </a:spcBef>
+              <a:spcAft>
+                <a:spcPts val="600"/>
+              </a:spcAft>
+              <a:buClr>
+                <a:schemeClr val="accent1"/>
+              </a:buClr>
+              <a:buFont typeface="Arial" panose="020B0604020202020204" pitchFamily="34" charset="0"/>
+              <a:buChar char="•"/>
+            </a:pPr>
+            <a:r>
+              <a:rPr lang="pt-BR" sz="2400" b="1" dirty="0"/>
+              <a:t>LED</a:t>
+            </a:r>
+            <a:r>
+              <a:rPr lang="pt-BR" sz="2400" dirty="0"/>
+              <a:t> (vermelho)</a:t>
+            </a:r>
+          </a:p>
+        </p:txBody>
+      </p:sp>
+    </p:spTree>
+    <p:extLst>
+      <p:ext uri="{BB962C8B-B14F-4D97-AF65-F5344CB8AC3E}">
+        <p14:creationId xmlns:p14="http://schemas.microsoft.com/office/powerpoint/2010/main" val="3320385145"/>
+      </p:ext>
+    </p:extLst>
+  </p:cSld>
+  <p:clrMapOvr>
+    <a:masterClrMapping/>
+  </p:clrMapOvr>
+</p:sld>
+</file>
+
+<file path=ppt/slides/slide6.xml><?xml version="1.0" encoding="utf-8"?>
+<p:sld xmlns:a="http://schemas.openxmlformats.org/drawingml/2006/main" xmlns:r="http://schemas.openxmlformats.org/officeDocument/2006/relationships" xmlns:p="http://schemas.openxmlformats.org/presentationml/2006/main">
+  <p:cSld>
+    <p:spTree>
+      <p:nvGrpSpPr>
+        <p:cNvPr id="1" name=""/>
+        <p:cNvGrpSpPr/>
+        <p:nvPr/>
+      </p:nvGrpSpPr>
+      <p:grpSpPr>
+        <a:xfrm>
+          <a:off x="0" y="0"/>
+          <a:ext cx="0" cy="0"/>
+          <a:chOff x="0" y="0"/>
+          <a:chExt cx="0" cy="0"/>
+        </a:xfrm>
+      </p:grpSpPr>
+      <p:sp>
+        <p:nvSpPr>
+          <p:cNvPr id="2" name="Título 1">
+            <a:extLst>
+              <a:ext uri="{FF2B5EF4-FFF2-40B4-BE49-F238E27FC236}">
                 <a16:creationId xmlns:a16="http://schemas.microsoft.com/office/drawing/2014/main" id="{ACD428EC-A5FB-EB42-5E2D-39C3E429DB77}"/>
               </a:ext>
             </a:extLst>
@@ -7016,7 +7110,7 @@
 </p:sld>
 </file>
 
-<file path=ppt/slides/slide6.xml><?xml version="1.0" encoding="utf-8"?>
+<file path=ppt/slides/slide7.xml><?xml version="1.0" encoding="utf-8"?>
 <p:sld xmlns:a="http://schemas.openxmlformats.org/drawingml/2006/main" xmlns:r="http://schemas.openxmlformats.org/officeDocument/2006/relationships" xmlns:p="http://schemas.openxmlformats.org/presentationml/2006/main">
   <p:cSld>
     <p:spTree>
